--- a/BusinessDocuments/_W9_Architecture Diagrams.pptx
+++ b/BusinessDocuments/_W9_Architecture Diagrams.pptx
@@ -7,6 +7,7 @@
   <p:sldIdLst>
     <p:sldId id="258" r:id="rId2"/>
     <p:sldId id="257" r:id="rId3"/>
+    <p:sldId id="259" r:id="rId4"/>
   </p:sldIdLst>
   <p:sldSz cx="12192000" cy="6858000"/>
   <p:notesSz cx="6858000" cy="9144000"/>
@@ -105,6 +106,11 @@
       </a:defRPr>
     </a:lvl9pPr>
   </p:defaultTextStyle>
+  <p:extLst>
+    <p:ext uri="{EFAFB233-063F-42B5-8137-9DF3F51BA10A}">
+      <p15:sldGuideLst xmlns:p15="http://schemas.microsoft.com/office/powerpoint/2012/main"/>
+    </p:ext>
+  </p:extLst>
 </p:presentation>
 </file>
 
@@ -255,7 +261,7 @@
           <a:p>
             <a:fld id="{201BCF44-2A70-4BFF-AF47-4296F27FD0AA}" type="datetimeFigureOut">
               <a:rPr lang="en-US" smtClean="0"/>
-              <a:t>3/24/2020</a:t>
+              <a:t>5/5/2020</a:t>
             </a:fld>
             <a:endParaRPr lang="en-US"/>
           </a:p>
@@ -453,7 +459,7 @@
           <a:p>
             <a:fld id="{201BCF44-2A70-4BFF-AF47-4296F27FD0AA}" type="datetimeFigureOut">
               <a:rPr lang="en-US" smtClean="0"/>
-              <a:t>3/24/2020</a:t>
+              <a:t>5/5/2020</a:t>
             </a:fld>
             <a:endParaRPr lang="en-US"/>
           </a:p>
@@ -661,7 +667,7 @@
           <a:p>
             <a:fld id="{201BCF44-2A70-4BFF-AF47-4296F27FD0AA}" type="datetimeFigureOut">
               <a:rPr lang="en-US" smtClean="0"/>
-              <a:t>3/24/2020</a:t>
+              <a:t>5/5/2020</a:t>
             </a:fld>
             <a:endParaRPr lang="en-US"/>
           </a:p>
@@ -859,7 +865,7 @@
           <a:p>
             <a:fld id="{201BCF44-2A70-4BFF-AF47-4296F27FD0AA}" type="datetimeFigureOut">
               <a:rPr lang="en-US" smtClean="0"/>
-              <a:t>3/24/2020</a:t>
+              <a:t>5/5/2020</a:t>
             </a:fld>
             <a:endParaRPr lang="en-US"/>
           </a:p>
@@ -1134,7 +1140,7 @@
           <a:p>
             <a:fld id="{201BCF44-2A70-4BFF-AF47-4296F27FD0AA}" type="datetimeFigureOut">
               <a:rPr lang="en-US" smtClean="0"/>
-              <a:t>3/24/2020</a:t>
+              <a:t>5/5/2020</a:t>
             </a:fld>
             <a:endParaRPr lang="en-US"/>
           </a:p>
@@ -1399,7 +1405,7 @@
           <a:p>
             <a:fld id="{201BCF44-2A70-4BFF-AF47-4296F27FD0AA}" type="datetimeFigureOut">
               <a:rPr lang="en-US" smtClean="0"/>
-              <a:t>3/24/2020</a:t>
+              <a:t>5/5/2020</a:t>
             </a:fld>
             <a:endParaRPr lang="en-US"/>
           </a:p>
@@ -1811,7 +1817,7 @@
           <a:p>
             <a:fld id="{201BCF44-2A70-4BFF-AF47-4296F27FD0AA}" type="datetimeFigureOut">
               <a:rPr lang="en-US" smtClean="0"/>
-              <a:t>3/24/2020</a:t>
+              <a:t>5/5/2020</a:t>
             </a:fld>
             <a:endParaRPr lang="en-US"/>
           </a:p>
@@ -1952,7 +1958,7 @@
           <a:p>
             <a:fld id="{201BCF44-2A70-4BFF-AF47-4296F27FD0AA}" type="datetimeFigureOut">
               <a:rPr lang="en-US" smtClean="0"/>
-              <a:t>3/24/2020</a:t>
+              <a:t>5/5/2020</a:t>
             </a:fld>
             <a:endParaRPr lang="en-US"/>
           </a:p>
@@ -2065,7 +2071,7 @@
           <a:p>
             <a:fld id="{201BCF44-2A70-4BFF-AF47-4296F27FD0AA}" type="datetimeFigureOut">
               <a:rPr lang="en-US" smtClean="0"/>
-              <a:t>3/24/2020</a:t>
+              <a:t>5/5/2020</a:t>
             </a:fld>
             <a:endParaRPr lang="en-US"/>
           </a:p>
@@ -2376,7 +2382,7 @@
           <a:p>
             <a:fld id="{201BCF44-2A70-4BFF-AF47-4296F27FD0AA}" type="datetimeFigureOut">
               <a:rPr lang="en-US" smtClean="0"/>
-              <a:t>3/24/2020</a:t>
+              <a:t>5/5/2020</a:t>
             </a:fld>
             <a:endParaRPr lang="en-US"/>
           </a:p>
@@ -2664,7 +2670,7 @@
           <a:p>
             <a:fld id="{201BCF44-2A70-4BFF-AF47-4296F27FD0AA}" type="datetimeFigureOut">
               <a:rPr lang="en-US" smtClean="0"/>
-              <a:t>3/24/2020</a:t>
+              <a:t>5/5/2020</a:t>
             </a:fld>
             <a:endParaRPr lang="en-US"/>
           </a:p>
@@ -2905,7 +2911,7 @@
           <a:p>
             <a:fld id="{201BCF44-2A70-4BFF-AF47-4296F27FD0AA}" type="datetimeFigureOut">
               <a:rPr lang="en-US" smtClean="0"/>
-              <a:t>3/24/2020</a:t>
+              <a:t>5/5/2020</a:t>
             </a:fld>
             <a:endParaRPr lang="en-US"/>
           </a:p>
@@ -3721,6 +3727,83 @@
 </p:sld>
 </file>
 
+<file path=ppt/slides/slide3.xml><?xml version="1.0" encoding="utf-8"?>
+<p:sld xmlns:a="http://schemas.openxmlformats.org/drawingml/2006/main" xmlns:r="http://schemas.openxmlformats.org/officeDocument/2006/relationships" xmlns:p="http://schemas.openxmlformats.org/presentationml/2006/main">
+  <p:cSld>
+    <p:spTree>
+      <p:nvGrpSpPr>
+        <p:cNvPr id="1" name=""/>
+        <p:cNvGrpSpPr/>
+        <p:nvPr/>
+      </p:nvGrpSpPr>
+      <p:grpSpPr>
+        <a:xfrm>
+          <a:off x="0" y="0"/>
+          <a:ext cx="0" cy="0"/>
+          <a:chOff x="0" y="0"/>
+          <a:chExt cx="0" cy="0"/>
+        </a:xfrm>
+      </p:grpSpPr>
+      <p:sp>
+        <p:nvSpPr>
+          <p:cNvPr id="3" name="Content Placeholder 2">
+            <a:extLst>
+              <a:ext uri="{FF2B5EF4-FFF2-40B4-BE49-F238E27FC236}">
+                <a16:creationId xmlns:a16="http://schemas.microsoft.com/office/drawing/2014/main" id="{E6C913DA-772E-4076-ADA7-601E7DAC85A3}"/>
+              </a:ext>
+            </a:extLst>
+          </p:cNvPr>
+          <p:cNvSpPr>
+            <a:spLocks noGrp="1"/>
+          </p:cNvSpPr>
+          <p:nvPr>
+            <p:ph idx="1"/>
+          </p:nvPr>
+        </p:nvSpPr>
+        <p:spPr>
+          <a:xfrm>
+            <a:off x="838200" y="419450"/>
+            <a:ext cx="10515600" cy="5757513"/>
+          </a:xfrm>
+        </p:spPr>
+        <p:txBody>
+          <a:bodyPr>
+            <a:normAutofit/>
+          </a:bodyPr>
+          <a:lstStyle/>
+          <a:p>
+            <a:r>
+              <a:rPr lang="en-US" dirty="0"/>
+              <a:t>Architecture diagrams are high level design diagrams that visualize the design process and define the system architecture. It identifies the major components that make up the system and the flow of interactions. We use it to visualize the overall structure of the application to ensure that the system meets our need. It is a blueprint of development. </a:t>
+            </a:r>
+          </a:p>
+          <a:p>
+            <a:r>
+              <a:rPr lang="en-US" dirty="0"/>
+              <a:t>The logical view provides a logical process of the application modules. We use it to during development and process. It guides us through how each object is connected and interreacting with each other. </a:t>
+            </a:r>
+          </a:p>
+          <a:p>
+            <a:r>
+              <a:rPr lang="en-US" dirty="0"/>
+              <a:t>We use the process view as a illustration of the application at run-time that the system is composed of interacting process, concurrency and communications elements.</a:t>
+            </a:r>
+          </a:p>
+        </p:txBody>
+      </p:sp>
+    </p:spTree>
+    <p:extLst>
+      <p:ext uri="{BB962C8B-B14F-4D97-AF65-F5344CB8AC3E}">
+        <p14:creationId xmlns:p14="http://schemas.microsoft.com/office/powerpoint/2010/main" val="2080381088"/>
+      </p:ext>
+    </p:extLst>
+  </p:cSld>
+  <p:clrMapOvr>
+    <a:masterClrMapping/>
+  </p:clrMapOvr>
+</p:sld>
+</file>
+
 <file path=ppt/theme/theme1.xml><?xml version="1.0" encoding="utf-8"?>
 <a:theme xmlns:a="http://schemas.openxmlformats.org/drawingml/2006/main" name="Office Theme">
   <a:themeElements>
